--- a/Airspace insights.pptx
+++ b/Airspace insights.pptx
@@ -3333,7 +3333,7 @@
           <p:cNvPr id="0" name="slide1">
             <a:extLst>
               <a:ext uri="{FF2B5EF4-FFF2-40B4-BE49-F238E27FC236}">
-                <a16:creationId xmlns:a16="http://schemas.microsoft.com/office/drawing/2014/main" id="{EFF9D92F-324E-4BBB-A524-4BD4714FBF14}"/>
+                <a16:creationId xmlns:a16="http://schemas.microsoft.com/office/drawing/2014/main" id="{35898746-E4E4-4A22-AB64-B1861D4B8FED}"/>
               </a:ext>
             </a:extLst>
           </p:cNvPr>
@@ -3363,7 +3363,7 @@
           <p:cNvPr id="1" name="slide1">
             <a:extLst>
               <a:ext uri="{FF2B5EF4-FFF2-40B4-BE49-F238E27FC236}">
-                <a16:creationId xmlns:a16="http://schemas.microsoft.com/office/drawing/2014/main" id="{1E8E8507-8A5B-4C77-952F-9E159B14076A}"/>
+                <a16:creationId xmlns:a16="http://schemas.microsoft.com/office/drawing/2014/main" id="{B05B93D1-6BE9-409C-93D7-5113326BCC7A}"/>
               </a:ext>
             </a:extLst>
           </p:cNvPr>
@@ -3381,7 +3381,7 @@
           <a:p>
             <a:r>
               <a:rPr/>
-              <a:t>File created on: 8/6/2021 5:08:45 AM</a:t>
+              <a:t>File created on: 8/6/2021 2:58:34 PM</a:t>
             </a:r>
           </a:p>
         </p:txBody>
@@ -3421,7 +3421,7 @@
           <p:cNvPr descr="Orders data exploration and insights1" id="2" name="slide2">
             <a:extLst>
               <a:ext uri="{FF2B5EF4-FFF2-40B4-BE49-F238E27FC236}">
-                <a16:creationId xmlns:a16="http://schemas.microsoft.com/office/drawing/2014/main" id="{DCFA88A9-F06A-4841-9515-782373703EC3}"/>
+                <a16:creationId xmlns:a16="http://schemas.microsoft.com/office/drawing/2014/main" id="{2D8F8D24-905C-4DFE-B6B7-5DC086C765E2}"/>
               </a:ext>
             </a:extLst>
           </p:cNvPr>
@@ -3487,7 +3487,7 @@
           <p:cNvPr descr="Orders data exploration and insights2" id="3" name="slide3">
             <a:extLst>
               <a:ext uri="{FF2B5EF4-FFF2-40B4-BE49-F238E27FC236}">
-                <a16:creationId xmlns:a16="http://schemas.microsoft.com/office/drawing/2014/main" id="{AD0C054B-F7BA-4318-AF00-297E4FC09389}"/>
+                <a16:creationId xmlns:a16="http://schemas.microsoft.com/office/drawing/2014/main" id="{F86200F4-C778-4C86-B3B3-0D26EC23C202}"/>
               </a:ext>
             </a:extLst>
           </p:cNvPr>
@@ -3553,7 +3553,7 @@
           <p:cNvPr descr="Orders data exploration and insights3" id="4" name="slide4">
             <a:extLst>
               <a:ext uri="{FF2B5EF4-FFF2-40B4-BE49-F238E27FC236}">
-                <a16:creationId xmlns:a16="http://schemas.microsoft.com/office/drawing/2014/main" id="{7FB1B073-8975-4C09-B463-01C538CA4DB7}"/>
+                <a16:creationId xmlns:a16="http://schemas.microsoft.com/office/drawing/2014/main" id="{E7830AA4-4470-43D2-8C86-7F0AE51F39B4}"/>
               </a:ext>
             </a:extLst>
           </p:cNvPr>
@@ -3619,7 +3619,7 @@
           <p:cNvPr descr="Orders data exploration and insights4" id="5" name="slide5">
             <a:extLst>
               <a:ext uri="{FF2B5EF4-FFF2-40B4-BE49-F238E27FC236}">
-                <a16:creationId xmlns:a16="http://schemas.microsoft.com/office/drawing/2014/main" id="{1091E602-1046-4F75-806D-A9AFC1B9793E}"/>
+                <a16:creationId xmlns:a16="http://schemas.microsoft.com/office/drawing/2014/main" id="{1DE3D81F-65C4-4060-9A5A-2124E543345E}"/>
               </a:ext>
             </a:extLst>
           </p:cNvPr>
@@ -3685,7 +3685,7 @@
           <p:cNvPr descr="Orders data exploration and insights5" id="6" name="slide6">
             <a:extLst>
               <a:ext uri="{FF2B5EF4-FFF2-40B4-BE49-F238E27FC236}">
-                <a16:creationId xmlns:a16="http://schemas.microsoft.com/office/drawing/2014/main" id="{3803F328-FD94-4219-BBA4-CB5C3B8A9BD3}"/>
+                <a16:creationId xmlns:a16="http://schemas.microsoft.com/office/drawing/2014/main" id="{FE4A8DA4-513A-48FA-85E3-6056DE63F7BF}"/>
               </a:ext>
             </a:extLst>
           </p:cNvPr>
@@ -3751,7 +3751,7 @@
           <p:cNvPr descr="Orders data exploration and insights6" id="7" name="slide7">
             <a:extLst>
               <a:ext uri="{FF2B5EF4-FFF2-40B4-BE49-F238E27FC236}">
-                <a16:creationId xmlns:a16="http://schemas.microsoft.com/office/drawing/2014/main" id="{AE03583C-7F77-493C-BB43-0198222E3C3F}"/>
+                <a16:creationId xmlns:a16="http://schemas.microsoft.com/office/drawing/2014/main" id="{D2CD0FF8-2F2B-4658-89B3-D218A317E0B0}"/>
               </a:ext>
             </a:extLst>
           </p:cNvPr>
@@ -3817,7 +3817,7 @@
           <p:cNvPr descr="Orders data exploration and insights7" id="8" name="slide8">
             <a:extLst>
               <a:ext uri="{FF2B5EF4-FFF2-40B4-BE49-F238E27FC236}">
-                <a16:creationId xmlns:a16="http://schemas.microsoft.com/office/drawing/2014/main" id="{B2397A29-7E81-4922-A515-8894BAB7FAFB}"/>
+                <a16:creationId xmlns:a16="http://schemas.microsoft.com/office/drawing/2014/main" id="{43D32967-86BA-4EDF-921D-7F1E992918E9}"/>
               </a:ext>
             </a:extLst>
           </p:cNvPr>
